--- a/junit-features.pptx
+++ b/junit-features.pptx
@@ -854,7 +854,7 @@
             <a:fld id="{B61BEF0D-F0BB-DE4B-95CE-6DB70DBA9567}" type="datetimeFigureOut">
               <a:rPr lang="en-US" dirty="0"/>
               <a:pPr/>
-              <a:t>6/23/2017</a:t>
+              <a:t>6/24/2017</a:t>
             </a:fld>
             <a:endParaRPr lang="en-US" dirty="0"/>
           </a:p>
@@ -1102,7 +1102,7 @@
             <a:fld id="{B61BEF0D-F0BB-DE4B-95CE-6DB70DBA9567}" type="datetimeFigureOut">
               <a:rPr lang="en-US" dirty="0"/>
               <a:pPr/>
-              <a:t>6/23/2017</a:t>
+              <a:t>6/24/2017</a:t>
             </a:fld>
             <a:endParaRPr lang="en-US" dirty="0"/>
           </a:p>
@@ -1413,7 +1413,7 @@
             <a:fld id="{B61BEF0D-F0BB-DE4B-95CE-6DB70DBA9567}" type="datetimeFigureOut">
               <a:rPr lang="en-US" dirty="0"/>
               <a:pPr/>
-              <a:t>6/23/2017</a:t>
+              <a:t>6/24/2017</a:t>
             </a:fld>
             <a:endParaRPr lang="en-US" dirty="0"/>
           </a:p>
@@ -1751,7 +1751,7 @@
             <a:fld id="{B61BEF0D-F0BB-DE4B-95CE-6DB70DBA9567}" type="datetimeFigureOut">
               <a:rPr lang="en-US" dirty="0"/>
               <a:pPr/>
-              <a:t>6/23/2017</a:t>
+              <a:t>6/24/2017</a:t>
             </a:fld>
             <a:endParaRPr lang="en-US" dirty="0"/>
           </a:p>
@@ -2062,7 +2062,7 @@
             <a:fld id="{B61BEF0D-F0BB-DE4B-95CE-6DB70DBA9567}" type="datetimeFigureOut">
               <a:rPr lang="en-US" dirty="0"/>
               <a:pPr/>
-              <a:t>6/23/2017</a:t>
+              <a:t>6/24/2017</a:t>
             </a:fld>
             <a:endParaRPr lang="en-US" dirty="0"/>
           </a:p>
@@ -2452,7 +2452,7 @@
             <a:fld id="{B61BEF0D-F0BB-DE4B-95CE-6DB70DBA9567}" type="datetimeFigureOut">
               <a:rPr lang="en-US" dirty="0"/>
               <a:pPr/>
-              <a:t>6/23/2017</a:t>
+              <a:t>6/24/2017</a:t>
             </a:fld>
             <a:endParaRPr lang="en-US" dirty="0"/>
           </a:p>
@@ -2618,7 +2618,7 @@
           <a:p>
             <a:fld id="{55C6B4A9-1611-4792-9094-5F34BCA07E0B}" type="datetimeFigureOut">
               <a:rPr lang="en-US" dirty="0"/>
-              <a:t>6/23/2017</a:t>
+              <a:t>6/24/2017</a:t>
             </a:fld>
             <a:endParaRPr lang="en-US" dirty="0"/>
           </a:p>
@@ -2794,7 +2794,7 @@
             <a:fld id="{B61BEF0D-F0BB-DE4B-95CE-6DB70DBA9567}" type="datetimeFigureOut">
               <a:rPr lang="en-US" dirty="0"/>
               <a:pPr/>
-              <a:t>6/23/2017</a:t>
+              <a:t>6/24/2017</a:t>
             </a:fld>
             <a:endParaRPr lang="en-US" dirty="0"/>
           </a:p>
@@ -2967,7 +2967,7 @@
             <a:fld id="{B61BEF0D-F0BB-DE4B-95CE-6DB70DBA9567}" type="datetimeFigureOut">
               <a:rPr lang="en-US" dirty="0"/>
               <a:pPr/>
-              <a:t>6/23/2017</a:t>
+              <a:t>6/24/2017</a:t>
             </a:fld>
             <a:endParaRPr lang="en-US" dirty="0"/>
           </a:p>
@@ -3211,7 +3211,7 @@
             <a:fld id="{B61BEF0D-F0BB-DE4B-95CE-6DB70DBA9567}" type="datetimeFigureOut">
               <a:rPr lang="en-US" dirty="0"/>
               <a:pPr/>
-              <a:t>6/23/2017</a:t>
+              <a:t>6/24/2017</a:t>
             </a:fld>
             <a:endParaRPr lang="en-US" dirty="0"/>
           </a:p>
@@ -3439,7 +3439,7 @@
           <a:p>
             <a:fld id="{EB712588-04B1-427B-82EE-E8DB90309F08}" type="datetimeFigureOut">
               <a:rPr lang="en-US" dirty="0"/>
-              <a:t>6/23/2017</a:t>
+              <a:t>6/24/2017</a:t>
             </a:fld>
             <a:endParaRPr lang="en-US" dirty="0"/>
           </a:p>
@@ -3809,7 +3809,7 @@
             <a:fld id="{B61BEF0D-F0BB-DE4B-95CE-6DB70DBA9567}" type="datetimeFigureOut">
               <a:rPr lang="en-US" dirty="0"/>
               <a:pPr/>
-              <a:t>6/23/2017</a:t>
+              <a:t>6/24/2017</a:t>
             </a:fld>
             <a:endParaRPr lang="en-US" dirty="0"/>
           </a:p>
@@ -3929,7 +3929,7 @@
             <a:fld id="{B61BEF0D-F0BB-DE4B-95CE-6DB70DBA9567}" type="datetimeFigureOut">
               <a:rPr lang="en-US" dirty="0"/>
               <a:pPr/>
-              <a:t>6/23/2017</a:t>
+              <a:t>6/24/2017</a:t>
             </a:fld>
             <a:endParaRPr lang="en-US" dirty="0"/>
           </a:p>
@@ -4021,7 +4021,7 @@
             <a:fld id="{B61BEF0D-F0BB-DE4B-95CE-6DB70DBA9567}" type="datetimeFigureOut">
               <a:rPr lang="en-US" dirty="0"/>
               <a:pPr/>
-              <a:t>6/23/2017</a:t>
+              <a:t>6/24/2017</a:t>
             </a:fld>
             <a:endParaRPr lang="en-US" dirty="0"/>
           </a:p>
@@ -4272,7 +4272,7 @@
           <a:p>
             <a:fld id="{42A54C80-263E-416B-A8E0-580EDEADCBDC}" type="datetimeFigureOut">
               <a:rPr lang="en-US" dirty="0"/>
-              <a:t>6/23/2017</a:t>
+              <a:t>6/24/2017</a:t>
             </a:fld>
             <a:endParaRPr lang="en-US" dirty="0"/>
           </a:p>
@@ -4531,7 +4531,7 @@
             <a:fld id="{B61BEF0D-F0BB-DE4B-95CE-6DB70DBA9567}" type="datetimeFigureOut">
               <a:rPr lang="en-US" dirty="0"/>
               <a:pPr/>
-              <a:t>6/23/2017</a:t>
+              <a:t>6/24/2017</a:t>
             </a:fld>
             <a:endParaRPr lang="en-US" dirty="0"/>
           </a:p>
@@ -5271,7 +5271,7 @@
             <a:fld id="{B61BEF0D-F0BB-DE4B-95CE-6DB70DBA9567}" type="datetimeFigureOut">
               <a:rPr lang="en-US" dirty="0"/>
               <a:pPr/>
-              <a:t>6/23/2017</a:t>
+              <a:t>6/24/2017</a:t>
             </a:fld>
             <a:endParaRPr lang="en-US" dirty="0"/>
           </a:p>
@@ -5819,8 +5819,19 @@
               <a:t>Unit4</a:t>
             </a:r>
             <a:r>
+              <a:rPr lang="pl-PL" b="1" dirty="0">
+                <a:solidFill>
+                  <a:schemeClr val="tx1">
+                    <a:lumMod val="65000"/>
+                    <a:lumOff val="35000"/>
+                  </a:schemeClr>
+                </a:solidFill>
+              </a:rPr>
+              <a:t>/</a:t>
+            </a:r>
+            <a:r>
               <a:rPr lang="pl-PL" b="1" dirty="0"/>
-              <a:t>/J</a:t>
+              <a:t>J</a:t>
             </a:r>
             <a:r>
               <a:rPr lang="pl-PL" b="1" dirty="0">
@@ -5888,6 +5899,13 @@
   <p:clrMapOvr>
     <a:masterClrMapping/>
   </p:clrMapOvr>
+  <p:timing>
+    <p:tnLst>
+      <p:par>
+        <p:cTn id="1" dur="indefinite" restart="never" nodeType="tmRoot"/>
+      </p:par>
+    </p:tnLst>
+  </p:timing>
 </p:sld>
 </file>
 
@@ -5940,7 +5958,18 @@
               <a:t> </a:t>
             </a:r>
             <a:r>
-              <a:rPr lang="pl-PL" b="1" dirty="0" err="1">
+              <a:rPr lang="pl-PL" b="1" dirty="0" smtClean="0">
+                <a:solidFill>
+                  <a:schemeClr val="tx1">
+                    <a:lumMod val="65000"/>
+                    <a:lumOff val="35000"/>
+                  </a:schemeClr>
+                </a:solidFill>
+              </a:rPr>
+              <a:t>- </a:t>
+            </a:r>
+            <a:r>
+              <a:rPr lang="pl-PL" b="1" dirty="0" err="1" smtClean="0">
                 <a:solidFill>
                   <a:schemeClr val="tx1">
                     <a:lumMod val="65000"/>
@@ -6059,6 +6088,13 @@
   <p:clrMapOvr>
     <a:masterClrMapping/>
   </p:clrMapOvr>
+  <p:timing>
+    <p:tnLst>
+      <p:par>
+        <p:cTn id="1" dur="indefinite" restart="never" nodeType="tmRoot"/>
+      </p:par>
+    </p:tnLst>
+  </p:timing>
 </p:sld>
 </file>
 
@@ -6095,11 +6131,11 @@
           <a:lstStyle/>
           <a:p>
             <a:r>
-              <a:rPr lang="pl-PL" dirty="0"/>
+              <a:rPr lang="pl-PL" b="1" dirty="0"/>
               <a:t>J</a:t>
             </a:r>
             <a:r>
-              <a:rPr lang="pl-PL" dirty="0">
+              <a:rPr lang="pl-PL" b="1" dirty="0">
                 <a:solidFill>
                   <a:srgbClr val="FF0000"/>
                 </a:solidFill>
@@ -6107,11 +6143,11 @@
               <a:t>Unit5</a:t>
             </a:r>
             <a:r>
-              <a:rPr lang="pl-PL" dirty="0"/>
+              <a:rPr lang="pl-PL" b="1" dirty="0"/>
               <a:t> </a:t>
             </a:r>
             <a:r>
-              <a:rPr lang="pl-PL" dirty="0">
+              <a:rPr lang="pl-PL" b="1" dirty="0">
                 <a:solidFill>
                   <a:schemeClr val="tx1">
                     <a:lumMod val="65000"/>
@@ -6122,7 +6158,7 @@
               <a:t>– </a:t>
             </a:r>
             <a:r>
-              <a:rPr lang="pl-PL" dirty="0" err="1">
+              <a:rPr lang="pl-PL" b="1" dirty="0" err="1">
                 <a:solidFill>
                   <a:schemeClr val="tx1">
                     <a:lumMod val="65000"/>
@@ -6133,7 +6169,7 @@
               <a:t>why</a:t>
             </a:r>
             <a:r>
-              <a:rPr lang="pl-PL" dirty="0">
+              <a:rPr lang="pl-PL" b="1" dirty="0">
                 <a:solidFill>
                   <a:schemeClr val="tx1">
                     <a:lumMod val="65000"/>
@@ -6144,7 +6180,7 @@
               <a:t> </a:t>
             </a:r>
             <a:r>
-              <a:rPr lang="pl-PL" dirty="0" smtClean="0">
+              <a:rPr lang="pl-PL" b="1" dirty="0" smtClean="0">
                 <a:solidFill>
                   <a:schemeClr val="tx1">
                     <a:lumMod val="65000"/>
@@ -6155,7 +6191,7 @@
               <a:t>we </a:t>
             </a:r>
             <a:r>
-              <a:rPr lang="pl-PL" dirty="0" err="1" smtClean="0">
+              <a:rPr lang="pl-PL" b="1" dirty="0" err="1" smtClean="0">
                 <a:solidFill>
                   <a:schemeClr val="tx1">
                     <a:lumMod val="65000"/>
@@ -6166,7 +6202,7 @@
               <a:t>need</a:t>
             </a:r>
             <a:r>
-              <a:rPr lang="pl-PL" dirty="0" smtClean="0">
+              <a:rPr lang="pl-PL" b="1" dirty="0" smtClean="0">
                 <a:solidFill>
                   <a:schemeClr val="tx1">
                     <a:lumMod val="65000"/>
@@ -6177,7 +6213,7 @@
               <a:t> </a:t>
             </a:r>
             <a:r>
-              <a:rPr lang="pl-PL" dirty="0" err="1" smtClean="0">
+              <a:rPr lang="pl-PL" b="1" dirty="0" err="1" smtClean="0">
                 <a:solidFill>
                   <a:schemeClr val="tx1">
                     <a:lumMod val="65000"/>
@@ -6188,7 +6224,7 @@
               <a:t>new</a:t>
             </a:r>
             <a:r>
-              <a:rPr lang="pl-PL" dirty="0" smtClean="0">
+              <a:rPr lang="pl-PL" b="1" dirty="0" smtClean="0">
                 <a:solidFill>
                   <a:schemeClr val="tx1">
                     <a:lumMod val="65000"/>
@@ -6199,7 +6235,7 @@
               <a:t> </a:t>
             </a:r>
             <a:r>
-              <a:rPr lang="pl-PL" dirty="0" err="1" smtClean="0">
+              <a:rPr lang="pl-PL" b="1" dirty="0" err="1" smtClean="0">
                 <a:solidFill>
                   <a:schemeClr val="tx1">
                     <a:lumMod val="65000"/>
@@ -6210,7 +6246,7 @@
               <a:t>JUnit</a:t>
             </a:r>
             <a:r>
-              <a:rPr lang="pl-PL" dirty="0" smtClean="0">
+              <a:rPr lang="pl-PL" b="1" dirty="0" smtClean="0">
                 <a:solidFill>
                   <a:schemeClr val="tx1">
                     <a:lumMod val="65000"/>
@@ -6220,7 +6256,7 @@
               </a:rPr>
               <a:t>?</a:t>
             </a:r>
-            <a:endParaRPr lang="pl-PL" dirty="0">
+            <a:endParaRPr lang="pl-PL" b="1" dirty="0">
               <a:solidFill>
                 <a:schemeClr val="tx1">
                   <a:lumMod val="65000"/>
@@ -6548,6 +6584,13 @@
   <p:clrMapOvr>
     <a:masterClrMapping/>
   </p:clrMapOvr>
+  <p:timing>
+    <p:tnLst>
+      <p:par>
+        <p:cTn id="1" dur="indefinite" restart="never" nodeType="tmRoot"/>
+      </p:par>
+    </p:tnLst>
+  </p:timing>
 </p:sld>
 </file>
 
@@ -6584,11 +6627,11 @@
           <a:lstStyle/>
           <a:p>
             <a:r>
-              <a:rPr lang="pl-PL" dirty="0" smtClean="0"/>
+              <a:rPr lang="pl-PL" b="1" dirty="0" smtClean="0"/>
               <a:t>J</a:t>
             </a:r>
             <a:r>
-              <a:rPr lang="pl-PL" dirty="0" smtClean="0">
+              <a:rPr lang="pl-PL" b="1" dirty="0" smtClean="0">
                 <a:solidFill>
                   <a:srgbClr val="FF0000"/>
                 </a:solidFill>
@@ -6596,39 +6639,17 @@
               <a:t>Unit5 </a:t>
             </a:r>
             <a:r>
-              <a:rPr lang="pl-PL" dirty="0" smtClean="0">
-                <a:solidFill>
-                  <a:schemeClr val="tx1">
-                    <a:lumMod val="65000"/>
-                    <a:lumOff val="35000"/>
-                  </a:schemeClr>
-                </a:solidFill>
-              </a:rPr>
-              <a:t>– (version</a:t>
-            </a:r>
-            <a:r>
-              <a:rPr lang="pl-PL" dirty="0" smtClean="0">
-                <a:solidFill>
-                  <a:schemeClr val="tx1">
-                    <a:lumMod val="65000"/>
-                    <a:lumOff val="35000"/>
-                  </a:schemeClr>
-                </a:solidFill>
-              </a:rPr>
-              <a:t>: </a:t>
-            </a:r>
-            <a:r>
-              <a:rPr lang="pl-PL" dirty="0" smtClean="0">
-                <a:solidFill>
-                  <a:schemeClr val="tx1">
-                    <a:lumMod val="65000"/>
-                    <a:lumOff val="35000"/>
-                  </a:schemeClr>
-                </a:solidFill>
-              </a:rPr>
-              <a:t>5.0.0-M4)</a:t>
-            </a:r>
-            <a:endParaRPr lang="pl-PL" dirty="0">
+              <a:rPr lang="pl-PL" b="1" dirty="0" smtClean="0">
+                <a:solidFill>
+                  <a:schemeClr val="tx1">
+                    <a:lumMod val="65000"/>
+                    <a:lumOff val="35000"/>
+                  </a:schemeClr>
+                </a:solidFill>
+              </a:rPr>
+              <a:t>– (version: 5.0.0-M4)</a:t>
+            </a:r>
+            <a:endParaRPr lang="pl-PL" b="1" dirty="0">
               <a:solidFill>
                 <a:schemeClr val="tx1">
                   <a:lumMod val="65000"/>
@@ -6870,11 +6891,11 @@
           <a:lstStyle/>
           <a:p>
             <a:r>
-              <a:rPr lang="pl-PL" dirty="0" smtClean="0"/>
+              <a:rPr lang="pl-PL" b="1" dirty="0" smtClean="0"/>
               <a:t>J</a:t>
             </a:r>
             <a:r>
-              <a:rPr lang="pl-PL" dirty="0" smtClean="0">
+              <a:rPr lang="pl-PL" b="1" dirty="0" smtClean="0">
                 <a:solidFill>
                   <a:srgbClr val="FF0000"/>
                 </a:solidFill>
@@ -6882,7 +6903,7 @@
               <a:t>Unit5</a:t>
             </a:r>
             <a:r>
-              <a:rPr lang="pl-PL" dirty="0" smtClean="0">
+              <a:rPr lang="pl-PL" b="1" dirty="0" smtClean="0">
                 <a:solidFill>
                   <a:schemeClr val="tx1">
                     <a:lumMod val="50000"/>
@@ -6890,24 +6911,35 @@
                   </a:schemeClr>
                 </a:solidFill>
               </a:rPr>
-              <a:t> - </a:t>
-            </a:r>
-            <a:r>
-              <a:rPr lang="pl-PL" dirty="0" err="1" smtClean="0">
-                <a:solidFill>
-                  <a:schemeClr val="tx1">
-                    <a:lumMod val="50000"/>
-                    <a:lumOff val="50000"/>
+              <a:t> </a:t>
+            </a:r>
+            <a:r>
+              <a:rPr lang="pl-PL" b="1" dirty="0" smtClean="0">
+                <a:solidFill>
+                  <a:schemeClr val="tx1">
+                    <a:lumMod val="65000"/>
+                    <a:lumOff val="35000"/>
+                  </a:schemeClr>
+                </a:solidFill>
+              </a:rPr>
+              <a:t>- </a:t>
+            </a:r>
+            <a:r>
+              <a:rPr lang="pl-PL" b="1" dirty="0" err="1" smtClean="0">
+                <a:solidFill>
+                  <a:schemeClr val="tx1">
+                    <a:lumMod val="65000"/>
+                    <a:lumOff val="35000"/>
                   </a:schemeClr>
                 </a:solidFill>
               </a:rPr>
               <a:t>features</a:t>
             </a:r>
-            <a:endParaRPr lang="pl-PL" dirty="0">
+            <a:endParaRPr lang="pl-PL" b="1" dirty="0">
               <a:solidFill>
                 <a:schemeClr val="tx1">
-                  <a:lumMod val="50000"/>
-                  <a:lumOff val="50000"/>
+                  <a:lumMod val="65000"/>
+                  <a:lumOff val="35000"/>
                 </a:schemeClr>
               </a:solidFill>
             </a:endParaRPr>
@@ -7094,6 +7126,13 @@
   <p:clrMapOvr>
     <a:masterClrMapping/>
   </p:clrMapOvr>
+  <p:timing>
+    <p:tnLst>
+      <p:par>
+        <p:cTn id="1" dur="indefinite" restart="never" nodeType="tmRoot"/>
+      </p:par>
+    </p:tnLst>
+  </p:timing>
 </p:sld>
 </file>
 
@@ -7130,11 +7169,11 @@
           <a:lstStyle/>
           <a:p>
             <a:r>
-              <a:rPr lang="pl-PL" dirty="0" smtClean="0"/>
+              <a:rPr lang="pl-PL" b="1" dirty="0" smtClean="0"/>
               <a:t>J</a:t>
             </a:r>
             <a:r>
-              <a:rPr lang="pl-PL" dirty="0" smtClean="0">
+              <a:rPr lang="pl-PL" b="1" dirty="0" smtClean="0">
                 <a:solidFill>
                   <a:srgbClr val="FF0000"/>
                 </a:solidFill>
@@ -7142,7 +7181,7 @@
               <a:t>Unit4 </a:t>
             </a:r>
             <a:r>
-              <a:rPr lang="pl-PL" dirty="0" smtClean="0">
+              <a:rPr lang="pl-PL" b="1" dirty="0" smtClean="0">
                 <a:solidFill>
                   <a:schemeClr val="tx1">
                     <a:lumMod val="65000"/>
@@ -7153,7 +7192,7 @@
               <a:t>vs</a:t>
             </a:r>
             <a:r>
-              <a:rPr lang="pl-PL" dirty="0" smtClean="0">
+              <a:rPr lang="pl-PL" b="1" dirty="0" smtClean="0">
                 <a:solidFill>
                   <a:srgbClr val="FF0000"/>
                 </a:solidFill>
@@ -7161,7 +7200,7 @@
               <a:t> </a:t>
             </a:r>
             <a:r>
-              <a:rPr lang="pl-PL" dirty="0" smtClean="0">
+              <a:rPr lang="pl-PL" b="1" dirty="0" smtClean="0">
                 <a:solidFill>
                   <a:srgbClr val="92D050"/>
                 </a:solidFill>
@@ -7169,7 +7208,7 @@
               <a:t>J</a:t>
             </a:r>
             <a:r>
-              <a:rPr lang="pl-PL" dirty="0" smtClean="0">
+              <a:rPr lang="pl-PL" b="1" dirty="0" smtClean="0">
                 <a:solidFill>
                   <a:srgbClr val="FF0000"/>
                 </a:solidFill>
@@ -7177,7 +7216,7 @@
               <a:t>Unit5 </a:t>
             </a:r>
             <a:r>
-              <a:rPr lang="pl-PL" dirty="0">
+              <a:rPr lang="pl-PL" b="1" dirty="0" smtClean="0">
                 <a:solidFill>
                   <a:schemeClr val="tx1">
                     <a:lumMod val="65000"/>
@@ -7188,7 +7227,7 @@
               <a:t>- </a:t>
             </a:r>
             <a:r>
-              <a:rPr lang="pl-PL" dirty="0" err="1">
+              <a:rPr lang="pl-PL" b="1" dirty="0" err="1" smtClean="0">
                 <a:solidFill>
                   <a:schemeClr val="tx1">
                     <a:lumMod val="65000"/>
@@ -7198,7 +7237,7 @@
               </a:rPr>
               <a:t>architecture</a:t>
             </a:r>
-            <a:endParaRPr lang="pl-PL" dirty="0">
+            <a:endParaRPr lang="pl-PL" b="1" dirty="0">
               <a:solidFill>
                 <a:schemeClr val="tx1">
                   <a:lumMod val="65000"/>
@@ -7269,6 +7308,13 @@
   <p:clrMapOvr>
     <a:masterClrMapping/>
   </p:clrMapOvr>
+  <p:timing>
+    <p:tnLst>
+      <p:par>
+        <p:cTn id="1" dur="indefinite" restart="never" nodeType="tmRoot"/>
+      </p:par>
+    </p:tnLst>
+  </p:timing>
 </p:sld>
 </file>
 
@@ -7305,11 +7351,11 @@
           <a:lstStyle/>
           <a:p>
             <a:r>
-              <a:rPr lang="pl-PL" dirty="0" smtClean="0"/>
+              <a:rPr lang="pl-PL" b="1" dirty="0" smtClean="0"/>
               <a:t>J</a:t>
             </a:r>
             <a:r>
-              <a:rPr lang="pl-PL" dirty="0" smtClean="0">
+              <a:rPr lang="pl-PL" b="1" dirty="0" smtClean="0">
                 <a:solidFill>
                   <a:srgbClr val="FF0000"/>
                 </a:solidFill>
@@ -7317,7 +7363,7 @@
               <a:t>Unit5 </a:t>
             </a:r>
             <a:r>
-              <a:rPr lang="pl-PL" dirty="0" smtClean="0">
+              <a:rPr lang="pl-PL" b="1" dirty="0" smtClean="0">
                 <a:solidFill>
                   <a:schemeClr val="tx1">
                     <a:lumMod val="65000"/>
@@ -7328,7 +7374,7 @@
               <a:t>– </a:t>
             </a:r>
             <a:r>
-              <a:rPr lang="pl-PL" dirty="0" err="1">
+              <a:rPr lang="pl-PL" b="1" dirty="0" err="1">
                 <a:solidFill>
                   <a:schemeClr val="tx1">
                     <a:lumMod val="65000"/>
@@ -7339,7 +7385,7 @@
               <a:t>d</a:t>
             </a:r>
             <a:r>
-              <a:rPr lang="pl-PL" dirty="0" err="1" smtClean="0">
+              <a:rPr lang="pl-PL" b="1" dirty="0" err="1" smtClean="0">
                 <a:solidFill>
                   <a:schemeClr val="tx1">
                     <a:lumMod val="65000"/>
@@ -7350,7 +7396,7 @@
               <a:t>ependency</a:t>
             </a:r>
             <a:r>
-              <a:rPr lang="pl-PL" dirty="0" smtClean="0">
+              <a:rPr lang="pl-PL" b="1" dirty="0" smtClean="0">
                 <a:solidFill>
                   <a:schemeClr val="tx1">
                     <a:lumMod val="65000"/>
@@ -7361,7 +7407,7 @@
               <a:t> </a:t>
             </a:r>
             <a:r>
-              <a:rPr lang="pl-PL" dirty="0">
+              <a:rPr lang="pl-PL" b="1" dirty="0">
                 <a:solidFill>
                   <a:schemeClr val="tx1">
                     <a:lumMod val="65000"/>
@@ -7461,11 +7507,11 @@
           <a:lstStyle/>
           <a:p>
             <a:r>
-              <a:rPr lang="pl-PL" dirty="0" smtClean="0"/>
+              <a:rPr lang="pl-PL" b="1" dirty="0" smtClean="0"/>
               <a:t>J</a:t>
             </a:r>
             <a:r>
-              <a:rPr lang="pl-PL" dirty="0" smtClean="0">
+              <a:rPr lang="pl-PL" b="1" dirty="0" smtClean="0">
                 <a:solidFill>
                   <a:srgbClr val="FF0000"/>
                 </a:solidFill>
@@ -7473,11 +7519,11 @@
               <a:t>Unit5</a:t>
             </a:r>
             <a:r>
-              <a:rPr lang="pl-PL" dirty="0" smtClean="0"/>
+              <a:rPr lang="pl-PL" b="1" dirty="0" smtClean="0"/>
               <a:t> </a:t>
             </a:r>
             <a:r>
-              <a:rPr lang="pl-PL" dirty="0">
+              <a:rPr lang="pl-PL" b="1" dirty="0">
                 <a:solidFill>
                   <a:schemeClr val="tx1">
                     <a:lumMod val="65000"/>
@@ -7488,7 +7534,7 @@
               <a:t>– </a:t>
             </a:r>
             <a:r>
-              <a:rPr lang="pl-PL" dirty="0" err="1">
+              <a:rPr lang="pl-PL" b="1" dirty="0" err="1">
                 <a:solidFill>
                   <a:schemeClr val="tx1">
                     <a:lumMod val="65000"/>
@@ -7499,7 +7545,7 @@
               <a:t>what`s</a:t>
             </a:r>
             <a:r>
-              <a:rPr lang="pl-PL" dirty="0">
+              <a:rPr lang="pl-PL" b="1" dirty="0">
                 <a:solidFill>
                   <a:schemeClr val="tx1">
                     <a:lumMod val="65000"/>
@@ -7510,7 +7556,7 @@
               <a:t> </a:t>
             </a:r>
             <a:r>
-              <a:rPr lang="pl-PL" dirty="0" err="1">
+              <a:rPr lang="pl-PL" b="1" dirty="0" err="1">
                 <a:solidFill>
                   <a:schemeClr val="tx1">
                     <a:lumMod val="65000"/>
@@ -7520,7 +7566,7 @@
               </a:rPr>
               <a:t>new</a:t>
             </a:r>
-            <a:endParaRPr lang="pl-PL" dirty="0">
+            <a:endParaRPr lang="pl-PL" b="1" dirty="0">
               <a:solidFill>
                 <a:schemeClr val="tx1">
                   <a:lumMod val="65000"/>
@@ -7767,7 +7813,6 @@
               <a:rPr lang="pl-PL" b="1" dirty="0" smtClean="0"/>
               <a:t> to JUnit4)</a:t>
             </a:r>
-            <a:endParaRPr lang="pl-PL" b="1" dirty="0" smtClean="0"/>
           </a:p>
           <a:p>
             <a:endParaRPr lang="pl-PL" b="1" dirty="0"/>
@@ -7827,11 +7872,11 @@
           <a:lstStyle/>
           <a:p>
             <a:r>
-              <a:rPr lang="pl-PL" dirty="0"/>
+              <a:rPr lang="pl-PL" b="1" dirty="0"/>
               <a:t>J</a:t>
             </a:r>
             <a:r>
-              <a:rPr lang="pl-PL" dirty="0">
+              <a:rPr lang="pl-PL" b="1" dirty="0">
                 <a:solidFill>
                   <a:srgbClr val="FF0000"/>
                 </a:solidFill>
@@ -7839,11 +7884,11 @@
               <a:t>Unit5</a:t>
             </a:r>
             <a:r>
-              <a:rPr lang="pl-PL" dirty="0"/>
+              <a:rPr lang="pl-PL" b="1" dirty="0"/>
               <a:t> </a:t>
             </a:r>
             <a:r>
-              <a:rPr lang="pl-PL" dirty="0" smtClean="0">
+              <a:rPr lang="pl-PL" b="1" dirty="0" smtClean="0">
                 <a:solidFill>
                   <a:schemeClr val="tx1">
                     <a:lumMod val="65000"/>
@@ -7854,7 +7899,7 @@
               <a:t>- </a:t>
             </a:r>
             <a:r>
-              <a:rPr lang="pl-PL" dirty="0" err="1" smtClean="0">
+              <a:rPr lang="pl-PL" b="1" dirty="0" err="1" smtClean="0">
                 <a:solidFill>
                   <a:schemeClr val="tx1">
                     <a:lumMod val="65000"/>
@@ -7864,7 +7909,7 @@
               </a:rPr>
               <a:t>annotations</a:t>
             </a:r>
-            <a:endParaRPr lang="pl-PL" dirty="0">
+            <a:endParaRPr lang="pl-PL" b="1" dirty="0">
               <a:solidFill>
                 <a:schemeClr val="tx1">
                   <a:lumMod val="65000"/>
@@ -8837,11 +8882,11 @@
           <a:lstStyle/>
           <a:p>
             <a:r>
-              <a:rPr lang="pl-PL" dirty="0"/>
+              <a:rPr lang="pl-PL" b="1" dirty="0"/>
               <a:t>J</a:t>
             </a:r>
             <a:r>
-              <a:rPr lang="pl-PL" dirty="0">
+              <a:rPr lang="pl-PL" b="1" dirty="0">
                 <a:solidFill>
                   <a:srgbClr val="FF0000"/>
                 </a:solidFill>
@@ -8849,33 +8894,33 @@
               <a:t>Unit5</a:t>
             </a:r>
             <a:r>
-              <a:rPr lang="pl-PL" dirty="0">
-                <a:solidFill>
-                  <a:schemeClr val="tx1">
-                    <a:lumMod val="50000"/>
-                    <a:lumOff val="50000"/>
+              <a:rPr lang="pl-PL" b="1" dirty="0">
+                <a:solidFill>
+                  <a:schemeClr val="tx1">
+                    <a:lumMod val="65000"/>
+                    <a:lumOff val="35000"/>
                   </a:schemeClr>
                 </a:solidFill>
               </a:rPr>
               <a:t> </a:t>
             </a:r>
             <a:r>
-              <a:rPr lang="pl-PL" dirty="0" smtClean="0">
-                <a:solidFill>
-                  <a:schemeClr val="tx1">
-                    <a:lumMod val="50000"/>
-                    <a:lumOff val="50000"/>
+              <a:rPr lang="pl-PL" b="1" dirty="0" smtClean="0">
+                <a:solidFill>
+                  <a:schemeClr val="tx1">
+                    <a:lumMod val="65000"/>
+                    <a:lumOff val="35000"/>
                   </a:schemeClr>
                 </a:solidFill>
               </a:rPr>
               <a:t>- IDE </a:t>
             </a:r>
             <a:r>
-              <a:rPr lang="pl-PL" dirty="0">
-                <a:solidFill>
-                  <a:schemeClr val="tx1">
-                    <a:lumMod val="50000"/>
-                    <a:lumOff val="50000"/>
+              <a:rPr lang="pl-PL" b="1" dirty="0">
+                <a:solidFill>
+                  <a:schemeClr val="tx1">
+                    <a:lumMod val="65000"/>
+                    <a:lumOff val="35000"/>
                   </a:schemeClr>
                 </a:solidFill>
               </a:rPr>
@@ -9014,6 +9059,13 @@
   <p:clrMapOvr>
     <a:masterClrMapping/>
   </p:clrMapOvr>
+  <p:timing>
+    <p:tnLst>
+      <p:par>
+        <p:cTn id="1" dur="indefinite" restart="never" nodeType="tmRoot"/>
+      </p:par>
+    </p:tnLst>
+  </p:timing>
 </p:sld>
 </file>
 
@@ -9050,37 +9102,56 @@
           <a:lstStyle/>
           <a:p>
             <a:r>
-              <a:rPr lang="pl-PL" dirty="0" err="1" smtClean="0"/>
+              <a:rPr lang="pl-PL" b="1" dirty="0" err="1" smtClean="0"/>
               <a:t>J</a:t>
             </a:r>
             <a:r>
-              <a:rPr lang="pl-PL" dirty="0" err="1" smtClean="0">
+              <a:rPr lang="pl-PL" b="1" dirty="0" err="1">
                 <a:solidFill>
                   <a:srgbClr val="FF0000"/>
                 </a:solidFill>
               </a:rPr>
-              <a:t>unit</a:t>
-            </a:r>
-            <a:r>
-              <a:rPr lang="pl-PL" dirty="0" smtClean="0">
+              <a:t>U</a:t>
+            </a:r>
+            <a:r>
+              <a:rPr lang="pl-PL" b="1" dirty="0" err="1" smtClean="0">
                 <a:solidFill>
                   <a:srgbClr val="FF0000"/>
                 </a:solidFill>
               </a:rPr>
+              <a:t>nit</a:t>
+            </a:r>
+            <a:r>
+              <a:rPr lang="pl-PL" b="1" dirty="0" smtClean="0">
+                <a:solidFill>
+                  <a:srgbClr val="FF0000"/>
+                </a:solidFill>
+              </a:rPr>
               <a:t> </a:t>
             </a:r>
             <a:r>
-              <a:rPr lang="pl-PL" dirty="0" smtClean="0">
-                <a:solidFill>
-                  <a:schemeClr val="tx1">
-                    <a:lumMod val="65000"/>
-                    <a:lumOff val="35000"/>
-                  </a:schemeClr>
-                </a:solidFill>
-              </a:rPr>
-              <a:t>- Links</a:t>
-            </a:r>
-            <a:endParaRPr lang="pl-PL" dirty="0">
+              <a:rPr lang="pl-PL" b="1" dirty="0" smtClean="0">
+                <a:solidFill>
+                  <a:schemeClr val="tx1">
+                    <a:lumMod val="65000"/>
+                    <a:lumOff val="35000"/>
+                  </a:schemeClr>
+                </a:solidFill>
+              </a:rPr>
+              <a:t>- </a:t>
+            </a:r>
+            <a:r>
+              <a:rPr lang="pl-PL" b="1" dirty="0" err="1" smtClean="0">
+                <a:solidFill>
+                  <a:schemeClr val="tx1">
+                    <a:lumMod val="65000"/>
+                    <a:lumOff val="35000"/>
+                  </a:schemeClr>
+                </a:solidFill>
+              </a:rPr>
+              <a:t>links</a:t>
+            </a:r>
+            <a:endParaRPr lang="pl-PL" b="1" dirty="0">
               <a:solidFill>
                 <a:schemeClr val="tx1">
                   <a:lumMod val="65000"/>
@@ -9257,6 +9328,13 @@
   <p:clrMapOvr>
     <a:masterClrMapping/>
   </p:clrMapOvr>
+  <p:timing>
+    <p:tnLst>
+      <p:par>
+        <p:cTn id="1" dur="indefinite" restart="never" nodeType="tmRoot"/>
+      </p:par>
+    </p:tnLst>
+  </p:timing>
 </p:sld>
 </file>
 
@@ -9768,6 +9846,13 @@
   <p:clrMapOvr>
     <a:masterClrMapping/>
   </p:clrMapOvr>
+  <p:timing>
+    <p:tnLst>
+      <p:par>
+        <p:cTn id="1" dur="indefinite" restart="never" nodeType="tmRoot"/>
+      </p:par>
+    </p:tnLst>
+  </p:timing>
 </p:sld>
 </file>
 
@@ -9830,6 +9915,13 @@
   <p:clrMapOvr>
     <a:masterClrMapping/>
   </p:clrMapOvr>
+  <p:timing>
+    <p:tnLst>
+      <p:par>
+        <p:cTn id="1" dur="indefinite" restart="never" nodeType="tmRoot"/>
+      </p:par>
+    </p:tnLst>
+  </p:timing>
 </p:sld>
 </file>
 
@@ -10623,6 +10715,13 @@
   <p:clrMapOvr>
     <a:masterClrMapping/>
   </p:clrMapOvr>
+  <p:timing>
+    <p:tnLst>
+      <p:par>
+        <p:cTn id="1" dur="indefinite" restart="never" nodeType="tmRoot"/>
+      </p:par>
+    </p:tnLst>
+  </p:timing>
 </p:sld>
 </file>
 
@@ -11075,6 +11174,13 @@
   <p:clrMapOvr>
     <a:masterClrMapping/>
   </p:clrMapOvr>
+  <p:timing>
+    <p:tnLst>
+      <p:par>
+        <p:cTn id="1" dur="indefinite" restart="never" nodeType="tmRoot"/>
+      </p:par>
+    </p:tnLst>
+  </p:timing>
 </p:sld>
 </file>
 
@@ -11127,6 +11233,17 @@
               <a:t> </a:t>
             </a:r>
             <a:r>
+              <a:rPr lang="pl-PL" b="1" dirty="0" smtClean="0">
+                <a:solidFill>
+                  <a:schemeClr val="tx1">
+                    <a:lumMod val="65000"/>
+                    <a:lumOff val="35000"/>
+                  </a:schemeClr>
+                </a:solidFill>
+              </a:rPr>
+              <a:t>- </a:t>
+            </a:r>
+            <a:r>
               <a:rPr lang="pl-PL" b="1" dirty="0" err="1" smtClean="0">
                 <a:solidFill>
                   <a:schemeClr val="tx1">
@@ -11475,6 +11592,13 @@
   <p:clrMapOvr>
     <a:masterClrMapping/>
   </p:clrMapOvr>
+  <p:timing>
+    <p:tnLst>
+      <p:par>
+        <p:cTn id="1" dur="indefinite" restart="never" nodeType="tmRoot"/>
+      </p:par>
+    </p:tnLst>
+  </p:timing>
 </p:sld>
 </file>
 
@@ -11527,7 +11651,18 @@
               <a:t> </a:t>
             </a:r>
             <a:r>
-              <a:rPr lang="pl-PL" b="1" dirty="0" err="1">
+              <a:rPr lang="pl-PL" b="1" dirty="0" smtClean="0">
+                <a:solidFill>
+                  <a:schemeClr val="tx1">
+                    <a:lumMod val="65000"/>
+                    <a:lumOff val="35000"/>
+                  </a:schemeClr>
+                </a:solidFill>
+              </a:rPr>
+              <a:t>- </a:t>
+            </a:r>
+            <a:r>
+              <a:rPr lang="pl-PL" b="1" dirty="0" err="1" smtClean="0">
                 <a:solidFill>
                   <a:schemeClr val="tx1">
                     <a:lumMod val="65000"/>
@@ -12025,6 +12160,13 @@
   <p:clrMapOvr>
     <a:masterClrMapping/>
   </p:clrMapOvr>
+  <p:timing>
+    <p:tnLst>
+      <p:par>
+        <p:cTn id="1" dur="indefinite" restart="never" nodeType="tmRoot"/>
+      </p:par>
+    </p:tnLst>
+  </p:timing>
 </p:sld>
 </file>
 
@@ -12077,7 +12219,18 @@
               <a:t> </a:t>
             </a:r>
             <a:r>
-              <a:rPr lang="pl-PL" b="1" dirty="0" err="1">
+              <a:rPr lang="pl-PL" b="1" dirty="0" smtClean="0">
+                <a:solidFill>
+                  <a:schemeClr val="tx1">
+                    <a:lumMod val="65000"/>
+                    <a:lumOff val="35000"/>
+                  </a:schemeClr>
+                </a:solidFill>
+              </a:rPr>
+              <a:t>- </a:t>
+            </a:r>
+            <a:r>
+              <a:rPr lang="pl-PL" b="1" dirty="0" err="1" smtClean="0">
                 <a:solidFill>
                   <a:schemeClr val="tx1">
                     <a:lumMod val="65000"/>
@@ -12448,6 +12601,13 @@
   <p:clrMapOvr>
     <a:masterClrMapping/>
   </p:clrMapOvr>
+  <p:timing>
+    <p:tnLst>
+      <p:par>
+        <p:cTn id="1" dur="indefinite" restart="never" nodeType="tmRoot"/>
+      </p:par>
+    </p:tnLst>
+  </p:timing>
 </p:sld>
 </file>
 
@@ -12500,7 +12660,18 @@
               <a:t> </a:t>
             </a:r>
             <a:r>
-              <a:rPr lang="pl-PL" b="1" dirty="0" err="1">
+              <a:rPr lang="pl-PL" b="1" dirty="0" smtClean="0">
+                <a:solidFill>
+                  <a:schemeClr val="tx1">
+                    <a:lumMod val="65000"/>
+                    <a:lumOff val="35000"/>
+                  </a:schemeClr>
+                </a:solidFill>
+              </a:rPr>
+              <a:t>- </a:t>
+            </a:r>
+            <a:r>
+              <a:rPr lang="pl-PL" b="1" dirty="0" err="1" smtClean="0">
                 <a:solidFill>
                   <a:schemeClr val="tx1">
                     <a:lumMod val="65000"/>
@@ -12716,6 +12887,13 @@
   <p:clrMapOvr>
     <a:masterClrMapping/>
   </p:clrMapOvr>
+  <p:timing>
+    <p:tnLst>
+      <p:par>
+        <p:cTn id="1" dur="indefinite" restart="never" nodeType="tmRoot"/>
+      </p:par>
+    </p:tnLst>
+  </p:timing>
 </p:sld>
 </file>
 
@@ -12768,7 +12946,18 @@
               <a:t> </a:t>
             </a:r>
             <a:r>
-              <a:rPr lang="pl-PL" b="1" dirty="0" err="1">
+              <a:rPr lang="pl-PL" b="1" dirty="0" smtClean="0">
+                <a:solidFill>
+                  <a:schemeClr val="tx1">
+                    <a:lumMod val="65000"/>
+                    <a:lumOff val="35000"/>
+                  </a:schemeClr>
+                </a:solidFill>
+              </a:rPr>
+              <a:t>- </a:t>
+            </a:r>
+            <a:r>
+              <a:rPr lang="pl-PL" b="1" dirty="0" err="1" smtClean="0">
                 <a:solidFill>
                   <a:schemeClr val="tx1">
                     <a:lumMod val="65000"/>
@@ -12779,7 +12968,7 @@
               <a:t>Parameterized</a:t>
             </a:r>
             <a:r>
-              <a:rPr lang="pl-PL" b="1" dirty="0">
+              <a:rPr lang="pl-PL" b="1" dirty="0" smtClean="0">
                 <a:solidFill>
                   <a:schemeClr val="tx1">
                     <a:lumMod val="65000"/>
@@ -12869,6 +13058,13 @@
   <p:clrMapOvr>
     <a:masterClrMapping/>
   </p:clrMapOvr>
+  <p:timing>
+    <p:tnLst>
+      <p:par>
+        <p:cTn id="1" dur="indefinite" restart="never" nodeType="tmRoot"/>
+      </p:par>
+    </p:tnLst>
+  </p:timing>
 </p:sld>
 </file>
 
